--- a/GRUPPO-01.pptx
+++ b/GRUPPO-01.pptx
@@ -5,12 +5,15 @@
     <p:sldMasterId id="2147483661" r:id="rId1"/>
   </p:sldMasterIdLst>
   <p:notesMasterIdLst>
-    <p:notesMasterId r:id="rId5"/>
+    <p:notesMasterId r:id="rId8"/>
   </p:notesMasterIdLst>
   <p:sldIdLst>
     <p:sldId id="573" r:id="rId2"/>
-    <p:sldId id="579" r:id="rId3"/>
-    <p:sldId id="580" r:id="rId4"/>
+    <p:sldId id="582" r:id="rId3"/>
+    <p:sldId id="583" r:id="rId4"/>
+    <p:sldId id="584" r:id="rId5"/>
+    <p:sldId id="580" r:id="rId6"/>
+    <p:sldId id="581" r:id="rId7"/>
   </p:sldIdLst>
   <p:sldSz cx="12192000" cy="6858000"/>
   <p:notesSz cx="7099300" cy="10234613"/>
@@ -574,7 +577,7 @@
     </p:spTree>
     <p:extLst>
       <p:ext uri="{BB962C8B-B14F-4D97-AF65-F5344CB8AC3E}">
-        <p14:creationId xmlns:p14="http://schemas.microsoft.com/office/powerpoint/2010/main" val="2349419005"/>
+        <p14:creationId xmlns:p14="http://schemas.microsoft.com/office/powerpoint/2010/main" val="610379559"/>
       </p:ext>
     </p:extLst>
   </p:cSld>
@@ -708,7 +711,409 @@
     </p:spTree>
     <p:extLst>
       <p:ext uri="{BB962C8B-B14F-4D97-AF65-F5344CB8AC3E}">
+        <p14:creationId xmlns:p14="http://schemas.microsoft.com/office/powerpoint/2010/main" val="1081265793"/>
+      </p:ext>
+    </p:extLst>
+  </p:cSld>
+  <p:clrMapOvr>
+    <a:masterClrMapping/>
+  </p:clrMapOvr>
+</p:notes>
+</file>
+
+<file path=ppt/notesSlides/notesSlide4.xml><?xml version="1.0" encoding="utf-8"?>
+<p:notes xmlns:a="http://schemas.openxmlformats.org/drawingml/2006/main" xmlns:r="http://schemas.openxmlformats.org/officeDocument/2006/relationships" xmlns:p="http://schemas.openxmlformats.org/presentationml/2006/main">
+  <p:cSld>
+    <p:spTree>
+      <p:nvGrpSpPr>
+        <p:cNvPr id="1" name=""/>
+        <p:cNvGrpSpPr/>
+        <p:nvPr/>
+      </p:nvGrpSpPr>
+      <p:grpSpPr>
+        <a:xfrm>
+          <a:off x="0" y="0"/>
+          <a:ext cx="0" cy="0"/>
+          <a:chOff x="0" y="0"/>
+          <a:chExt cx="0" cy="0"/>
+        </a:xfrm>
+      </p:grpSpPr>
+      <p:sp>
+        <p:nvSpPr>
+          <p:cNvPr id="73730" name="Rectangle 2">
+            <a:extLst>
+              <a:ext uri="{FF2B5EF4-FFF2-40B4-BE49-F238E27FC236}">
+                <a16:creationId xmlns:a16="http://schemas.microsoft.com/office/drawing/2014/main" id="{EDD878F2-D077-4BBD-826A-EABE1B2A48AF}"/>
+              </a:ext>
+            </a:extLst>
+          </p:cNvPr>
+          <p:cNvSpPr>
+            <a:spLocks noGrp="1" noRot="1" noChangeAspect="1" noChangeArrowheads="1" noTextEdit="1"/>
+          </p:cNvSpPr>
+          <p:nvPr>
+            <p:ph type="sldImg"/>
+          </p:nvPr>
+        </p:nvSpPr>
+        <p:spPr bwMode="auto">
+          <a:xfrm>
+            <a:off x="138113" y="766763"/>
+            <a:ext cx="6821487" cy="3838575"/>
+          </a:xfrm>
+          <a:prstGeom prst="rect">
+            <a:avLst/>
+          </a:prstGeom>
+          <a:solidFill>
+            <a:srgbClr val="FFFFFF"/>
+          </a:solidFill>
+          <a:ln>
+            <a:solidFill>
+              <a:srgbClr val="000000"/>
+            </a:solidFill>
+            <a:miter lim="800000"/>
+            <a:headEnd/>
+            <a:tailEnd/>
+          </a:ln>
+        </p:spPr>
+      </p:sp>
+      <p:sp>
+        <p:nvSpPr>
+          <p:cNvPr id="73731" name="Rectangle 3">
+            <a:extLst>
+              <a:ext uri="{FF2B5EF4-FFF2-40B4-BE49-F238E27FC236}">
+                <a16:creationId xmlns:a16="http://schemas.microsoft.com/office/drawing/2014/main" id="{55DEAAEB-EDBF-4C88-B7CD-B83331A21F76}"/>
+              </a:ext>
+            </a:extLst>
+          </p:cNvPr>
+          <p:cNvSpPr>
+            <a:spLocks noGrp="1" noChangeArrowheads="1"/>
+          </p:cNvSpPr>
+          <p:nvPr>
+            <p:ph type="body" idx="1"/>
+          </p:nvPr>
+        </p:nvSpPr>
+        <p:spPr bwMode="auto">
+          <a:xfrm>
+            <a:off x="709613" y="4860925"/>
+            <a:ext cx="5680075" cy="4606925"/>
+          </a:xfrm>
+          <a:prstGeom prst="rect">
+            <a:avLst/>
+          </a:prstGeom>
+          <a:solidFill>
+            <a:srgbClr val="FFFFFF"/>
+          </a:solidFill>
+          <a:ln>
+            <a:solidFill>
+              <a:srgbClr val="000000"/>
+            </a:solidFill>
+            <a:miter lim="800000"/>
+            <a:headEnd/>
+            <a:tailEnd/>
+          </a:ln>
+        </p:spPr>
+        <p:txBody>
+          <a:bodyPr lIns="91436" tIns="45718" rIns="91436" bIns="45718"/>
+          <a:lstStyle/>
+          <a:p>
+            <a:pPr marL="0" marR="0" lvl="0" indent="0" algn="l" defTabSz="914400" rtl="0" eaLnBrk="0" fontAlgn="base" latinLnBrk="0" hangingPunct="0">
+              <a:lnSpc>
+                <a:spcPct val="100000"/>
+              </a:lnSpc>
+              <a:spcBef>
+                <a:spcPct val="30000"/>
+              </a:spcBef>
+              <a:spcAft>
+                <a:spcPct val="0"/>
+              </a:spcAft>
+              <a:buClrTx/>
+              <a:buSzTx/>
+              <a:buFontTx/>
+              <a:buNone/>
+              <a:tabLst/>
+              <a:defRPr/>
+            </a:pPr>
+            <a:r>
+              <a:rPr lang="it-IT" altLang="it-IT" dirty="0"/>
+              <a:t>-90+q2, q3</a:t>
+            </a:r>
+          </a:p>
+          <a:p>
+            <a:endParaRPr lang="it-IT" altLang="it-IT" dirty="0"/>
+          </a:p>
+        </p:txBody>
+      </p:sp>
+    </p:spTree>
+    <p:extLst>
+      <p:ext uri="{BB962C8B-B14F-4D97-AF65-F5344CB8AC3E}">
+        <p14:creationId xmlns:p14="http://schemas.microsoft.com/office/powerpoint/2010/main" val="759334282"/>
+      </p:ext>
+    </p:extLst>
+  </p:cSld>
+  <p:clrMapOvr>
+    <a:masterClrMapping/>
+  </p:clrMapOvr>
+</p:notes>
+</file>
+
+<file path=ppt/notesSlides/notesSlide5.xml><?xml version="1.0" encoding="utf-8"?>
+<p:notes xmlns:a="http://schemas.openxmlformats.org/drawingml/2006/main" xmlns:r="http://schemas.openxmlformats.org/officeDocument/2006/relationships" xmlns:p="http://schemas.openxmlformats.org/presentationml/2006/main">
+  <p:cSld>
+    <p:spTree>
+      <p:nvGrpSpPr>
+        <p:cNvPr id="1" name=""/>
+        <p:cNvGrpSpPr/>
+        <p:nvPr/>
+      </p:nvGrpSpPr>
+      <p:grpSpPr>
+        <a:xfrm>
+          <a:off x="0" y="0"/>
+          <a:ext cx="0" cy="0"/>
+          <a:chOff x="0" y="0"/>
+          <a:chExt cx="0" cy="0"/>
+        </a:xfrm>
+      </p:grpSpPr>
+      <p:sp>
+        <p:nvSpPr>
+          <p:cNvPr id="73730" name="Rectangle 2">
+            <a:extLst>
+              <a:ext uri="{FF2B5EF4-FFF2-40B4-BE49-F238E27FC236}">
+                <a16:creationId xmlns:a16="http://schemas.microsoft.com/office/drawing/2014/main" id="{EDD878F2-D077-4BBD-826A-EABE1B2A48AF}"/>
+              </a:ext>
+            </a:extLst>
+          </p:cNvPr>
+          <p:cNvSpPr>
+            <a:spLocks noGrp="1" noRot="1" noChangeAspect="1" noChangeArrowheads="1" noTextEdit="1"/>
+          </p:cNvSpPr>
+          <p:nvPr>
+            <p:ph type="sldImg"/>
+          </p:nvPr>
+        </p:nvSpPr>
+        <p:spPr bwMode="auto">
+          <a:xfrm>
+            <a:off x="138113" y="766763"/>
+            <a:ext cx="6821487" cy="3838575"/>
+          </a:xfrm>
+          <a:prstGeom prst="rect">
+            <a:avLst/>
+          </a:prstGeom>
+          <a:solidFill>
+            <a:srgbClr val="FFFFFF"/>
+          </a:solidFill>
+          <a:ln>
+            <a:solidFill>
+              <a:srgbClr val="000000"/>
+            </a:solidFill>
+            <a:miter lim="800000"/>
+            <a:headEnd/>
+            <a:tailEnd/>
+          </a:ln>
+        </p:spPr>
+      </p:sp>
+      <p:sp>
+        <p:nvSpPr>
+          <p:cNvPr id="73731" name="Rectangle 3">
+            <a:extLst>
+              <a:ext uri="{FF2B5EF4-FFF2-40B4-BE49-F238E27FC236}">
+                <a16:creationId xmlns:a16="http://schemas.microsoft.com/office/drawing/2014/main" id="{55DEAAEB-EDBF-4C88-B7CD-B83331A21F76}"/>
+              </a:ext>
+            </a:extLst>
+          </p:cNvPr>
+          <p:cNvSpPr>
+            <a:spLocks noGrp="1" noChangeArrowheads="1"/>
+          </p:cNvSpPr>
+          <p:nvPr>
+            <p:ph type="body" idx="1"/>
+          </p:nvPr>
+        </p:nvSpPr>
+        <p:spPr bwMode="auto">
+          <a:xfrm>
+            <a:off x="709613" y="4860925"/>
+            <a:ext cx="5680075" cy="4606925"/>
+          </a:xfrm>
+          <a:prstGeom prst="rect">
+            <a:avLst/>
+          </a:prstGeom>
+          <a:solidFill>
+            <a:srgbClr val="FFFFFF"/>
+          </a:solidFill>
+          <a:ln>
+            <a:solidFill>
+              <a:srgbClr val="000000"/>
+            </a:solidFill>
+            <a:miter lim="800000"/>
+            <a:headEnd/>
+            <a:tailEnd/>
+          </a:ln>
+        </p:spPr>
+        <p:txBody>
+          <a:bodyPr lIns="91436" tIns="45718" rIns="91436" bIns="45718"/>
+          <a:lstStyle/>
+          <a:p>
+            <a:pPr marL="0" marR="0" lvl="0" indent="0" algn="l" defTabSz="914400" rtl="0" eaLnBrk="0" fontAlgn="base" latinLnBrk="0" hangingPunct="0">
+              <a:lnSpc>
+                <a:spcPct val="100000"/>
+              </a:lnSpc>
+              <a:spcBef>
+                <a:spcPct val="30000"/>
+              </a:spcBef>
+              <a:spcAft>
+                <a:spcPct val="0"/>
+              </a:spcAft>
+              <a:buClrTx/>
+              <a:buSzTx/>
+              <a:buFontTx/>
+              <a:buNone/>
+              <a:tabLst/>
+              <a:defRPr/>
+            </a:pPr>
+            <a:r>
+              <a:rPr lang="it-IT" altLang="it-IT" dirty="0"/>
+              <a:t>-90+q2, q3</a:t>
+            </a:r>
+          </a:p>
+          <a:p>
+            <a:endParaRPr lang="it-IT" altLang="it-IT" dirty="0"/>
+          </a:p>
+        </p:txBody>
+      </p:sp>
+    </p:spTree>
+    <p:extLst>
+      <p:ext uri="{BB962C8B-B14F-4D97-AF65-F5344CB8AC3E}">
         <p14:creationId xmlns:p14="http://schemas.microsoft.com/office/powerpoint/2010/main" val="2045928405"/>
+      </p:ext>
+    </p:extLst>
+  </p:cSld>
+  <p:clrMapOvr>
+    <a:masterClrMapping/>
+  </p:clrMapOvr>
+</p:notes>
+</file>
+
+<file path=ppt/notesSlides/notesSlide6.xml><?xml version="1.0" encoding="utf-8"?>
+<p:notes xmlns:a="http://schemas.openxmlformats.org/drawingml/2006/main" xmlns:r="http://schemas.openxmlformats.org/officeDocument/2006/relationships" xmlns:p="http://schemas.openxmlformats.org/presentationml/2006/main">
+  <p:cSld>
+    <p:spTree>
+      <p:nvGrpSpPr>
+        <p:cNvPr id="1" name=""/>
+        <p:cNvGrpSpPr/>
+        <p:nvPr/>
+      </p:nvGrpSpPr>
+      <p:grpSpPr>
+        <a:xfrm>
+          <a:off x="0" y="0"/>
+          <a:ext cx="0" cy="0"/>
+          <a:chOff x="0" y="0"/>
+          <a:chExt cx="0" cy="0"/>
+        </a:xfrm>
+      </p:grpSpPr>
+      <p:sp>
+        <p:nvSpPr>
+          <p:cNvPr id="73730" name="Rectangle 2">
+            <a:extLst>
+              <a:ext uri="{FF2B5EF4-FFF2-40B4-BE49-F238E27FC236}">
+                <a16:creationId xmlns:a16="http://schemas.microsoft.com/office/drawing/2014/main" id="{EDD878F2-D077-4BBD-826A-EABE1B2A48AF}"/>
+              </a:ext>
+            </a:extLst>
+          </p:cNvPr>
+          <p:cNvSpPr>
+            <a:spLocks noGrp="1" noRot="1" noChangeAspect="1" noChangeArrowheads="1" noTextEdit="1"/>
+          </p:cNvSpPr>
+          <p:nvPr>
+            <p:ph type="sldImg"/>
+          </p:nvPr>
+        </p:nvSpPr>
+        <p:spPr bwMode="auto">
+          <a:xfrm>
+            <a:off x="138113" y="766763"/>
+            <a:ext cx="6821487" cy="3838575"/>
+          </a:xfrm>
+          <a:prstGeom prst="rect">
+            <a:avLst/>
+          </a:prstGeom>
+          <a:solidFill>
+            <a:srgbClr val="FFFFFF"/>
+          </a:solidFill>
+          <a:ln>
+            <a:solidFill>
+              <a:srgbClr val="000000"/>
+            </a:solidFill>
+            <a:miter lim="800000"/>
+            <a:headEnd/>
+            <a:tailEnd/>
+          </a:ln>
+        </p:spPr>
+      </p:sp>
+      <p:sp>
+        <p:nvSpPr>
+          <p:cNvPr id="73731" name="Rectangle 3">
+            <a:extLst>
+              <a:ext uri="{FF2B5EF4-FFF2-40B4-BE49-F238E27FC236}">
+                <a16:creationId xmlns:a16="http://schemas.microsoft.com/office/drawing/2014/main" id="{55DEAAEB-EDBF-4C88-B7CD-B83331A21F76}"/>
+              </a:ext>
+            </a:extLst>
+          </p:cNvPr>
+          <p:cNvSpPr>
+            <a:spLocks noGrp="1" noChangeArrowheads="1"/>
+          </p:cNvSpPr>
+          <p:nvPr>
+            <p:ph type="body" idx="1"/>
+          </p:nvPr>
+        </p:nvSpPr>
+        <p:spPr bwMode="auto">
+          <a:xfrm>
+            <a:off x="709613" y="4860925"/>
+            <a:ext cx="5680075" cy="4606925"/>
+          </a:xfrm>
+          <a:prstGeom prst="rect">
+            <a:avLst/>
+          </a:prstGeom>
+          <a:solidFill>
+            <a:srgbClr val="FFFFFF"/>
+          </a:solidFill>
+          <a:ln>
+            <a:solidFill>
+              <a:srgbClr val="000000"/>
+            </a:solidFill>
+            <a:miter lim="800000"/>
+            <a:headEnd/>
+            <a:tailEnd/>
+          </a:ln>
+        </p:spPr>
+        <p:txBody>
+          <a:bodyPr lIns="91436" tIns="45718" rIns="91436" bIns="45718"/>
+          <a:lstStyle/>
+          <a:p>
+            <a:pPr marL="0" marR="0" lvl="0" indent="0" algn="l" defTabSz="914400" rtl="0" eaLnBrk="0" fontAlgn="base" latinLnBrk="0" hangingPunct="0">
+              <a:lnSpc>
+                <a:spcPct val="100000"/>
+              </a:lnSpc>
+              <a:spcBef>
+                <a:spcPct val="30000"/>
+              </a:spcBef>
+              <a:spcAft>
+                <a:spcPct val="0"/>
+              </a:spcAft>
+              <a:buClrTx/>
+              <a:buSzTx/>
+              <a:buFontTx/>
+              <a:buNone/>
+              <a:tabLst/>
+              <a:defRPr/>
+            </a:pPr>
+            <a:r>
+              <a:rPr lang="it-IT" altLang="it-IT" dirty="0"/>
+              <a:t>-90+q2, q3</a:t>
+            </a:r>
+          </a:p>
+          <a:p>
+            <a:endParaRPr lang="it-IT" altLang="it-IT" dirty="0"/>
+          </a:p>
+        </p:txBody>
+      </p:sp>
+    </p:spTree>
+    <p:extLst>
+      <p:ext uri="{BB962C8B-B14F-4D97-AF65-F5344CB8AC3E}">
+        <p14:creationId xmlns:p14="http://schemas.microsoft.com/office/powerpoint/2010/main" val="1952455960"/>
       </p:ext>
     </p:extLst>
   </p:cSld>
@@ -1516,8 +1921,8 @@
         </p:nvSpPr>
         <p:spPr bwMode="auto">
           <a:xfrm>
-            <a:off x="803412" y="1268760"/>
-            <a:ext cx="5067025" cy="1785104"/>
+            <a:off x="911424" y="2252522"/>
+            <a:ext cx="5067025" cy="2506840"/>
           </a:xfrm>
           <a:prstGeom prst="rect">
             <a:avLst/>
@@ -1649,7 +2054,10 @@
             </a:lvl9pPr>
           </a:lstStyle>
           <a:p>
-            <a:pPr marL="0" indent="0" algn="just">
+            <a:pPr marL="0" indent="0">
+              <a:lnSpc>
+                <a:spcPct val="150000"/>
+              </a:lnSpc>
               <a:spcBef>
                 <a:spcPts val="300"/>
               </a:spcBef>
@@ -1683,7 +2091,10 @@
             </a:endParaRPr>
           </a:p>
           <a:p>
-            <a:pPr marL="285750" indent="-285750" algn="just">
+            <a:pPr marL="285750" indent="-285750">
+              <a:lnSpc>
+                <a:spcPct val="150000"/>
+              </a:lnSpc>
               <a:spcBef>
                 <a:spcPts val="300"/>
               </a:spcBef>
@@ -1698,11 +2109,14 @@
                 <a:latin typeface="Calibri" panose="020F0502020204030204" pitchFamily="34" charset="0"/>
                 <a:cs typeface="Calibri" panose="020F0502020204030204" pitchFamily="34" charset="0"/>
               </a:rPr>
-              <a:t>Alessandro Caselli</a:t>
-            </a:r>
-          </a:p>
-          <a:p>
-            <a:pPr marL="285750" indent="-285750" algn="just">
+              <a:t>Caselli Alessandro 	2086355</a:t>
+            </a:r>
+          </a:p>
+          <a:p>
+            <a:pPr marL="285750" indent="-285750">
+              <a:lnSpc>
+                <a:spcPct val="150000"/>
+              </a:lnSpc>
               <a:spcBef>
                 <a:spcPts val="300"/>
               </a:spcBef>
@@ -1717,17 +2131,30 @@
                 <a:latin typeface="Calibri" panose="020F0502020204030204" pitchFamily="34" charset="0"/>
                 <a:cs typeface="Calibri" panose="020F0502020204030204" pitchFamily="34" charset="0"/>
               </a:rPr>
-              <a:t>Alessandro Castellaro</a:t>
-            </a:r>
-          </a:p>
-          <a:p>
-            <a:pPr marL="285750" indent="-285750" algn="just">
+              <a:t>Castellaro Alessandro 	2089331</a:t>
+            </a:r>
+          </a:p>
+          <a:p>
+            <a:pPr marL="285750" indent="-285750">
+              <a:lnSpc>
+                <a:spcPct val="150000"/>
+              </a:lnSpc>
               <a:spcBef>
                 <a:spcPts val="300"/>
               </a:spcBef>
               <a:buFontTx/>
               <a:buChar char="-"/>
             </a:pPr>
+            <a:r>
+              <a:rPr lang="it-IT" altLang="it-IT" sz="2000" dirty="0">
+                <a:solidFill>
+                  <a:srgbClr val="000000"/>
+                </a:solidFill>
+                <a:latin typeface="Calibri" panose="020F0502020204030204" pitchFamily="34" charset="0"/>
+                <a:cs typeface="Calibri" panose="020F0502020204030204" pitchFamily="34" charset="0"/>
+              </a:rPr>
+              <a:t>Miah </a:t>
+            </a:r>
             <a:r>
               <a:rPr lang="it-IT" altLang="it-IT" sz="2000" dirty="0" err="1">
                 <a:solidFill>
@@ -1746,27 +2173,20 @@
                 <a:latin typeface="Calibri" panose="020F0502020204030204" pitchFamily="34" charset="0"/>
                 <a:cs typeface="Calibri" panose="020F0502020204030204" pitchFamily="34" charset="0"/>
               </a:rPr>
-              <a:t> Miah</a:t>
-            </a:r>
-          </a:p>
-          <a:p>
-            <a:pPr marL="285750" indent="-285750" algn="just">
+              <a:t> 		2071912</a:t>
+            </a:r>
+          </a:p>
+          <a:p>
+            <a:pPr marL="285750" indent="-285750">
+              <a:lnSpc>
+                <a:spcPct val="150000"/>
+              </a:lnSpc>
               <a:spcBef>
                 <a:spcPts val="300"/>
               </a:spcBef>
               <a:buFontTx/>
               <a:buChar char="-"/>
             </a:pPr>
-            <a:r>
-              <a:rPr lang="it-IT" altLang="it-IT" sz="2000" dirty="0">
-                <a:solidFill>
-                  <a:srgbClr val="000000"/>
-                </a:solidFill>
-                <a:latin typeface="Calibri" panose="020F0502020204030204" pitchFamily="34" charset="0"/>
-                <a:cs typeface="Calibri" panose="020F0502020204030204" pitchFamily="34" charset="0"/>
-              </a:rPr>
-              <a:t>Irene </a:t>
-            </a:r>
             <a:r>
               <a:rPr lang="it-IT" altLang="it-IT" sz="2000" dirty="0" err="1">
                 <a:solidFill>
@@ -1777,13 +2197,16 @@
               </a:rPr>
               <a:t>Tassinato</a:t>
             </a:r>
-            <a:endParaRPr lang="it-IT" altLang="it-IT" sz="2000" dirty="0">
-              <a:solidFill>
-                <a:srgbClr val="000000"/>
-              </a:solidFill>
-              <a:latin typeface="Calibri" panose="020F0502020204030204" pitchFamily="34" charset="0"/>
-              <a:cs typeface="Calibri" panose="020F0502020204030204" pitchFamily="34" charset="0"/>
-            </a:endParaRPr>
+            <a:r>
+              <a:rPr lang="it-IT" altLang="it-IT" sz="2000" dirty="0">
+                <a:solidFill>
+                  <a:srgbClr val="000000"/>
+                </a:solidFill>
+                <a:latin typeface="Calibri" panose="020F0502020204030204" pitchFamily="34" charset="0"/>
+                <a:cs typeface="Calibri" panose="020F0502020204030204" pitchFamily="34" charset="0"/>
+              </a:rPr>
+              <a:t> Irene 	2060669</a:t>
+            </a:r>
           </a:p>
         </p:txBody>
       </p:sp>
@@ -1820,36 +2243,6 @@
           </a:p>
         </p:txBody>
       </p:sp>
-      <p:pic>
-        <p:nvPicPr>
-          <p:cNvPr id="4" name="Immagine 3">
-            <a:extLst>
-              <a:ext uri="{FF2B5EF4-FFF2-40B4-BE49-F238E27FC236}">
-                <a16:creationId xmlns:a16="http://schemas.microsoft.com/office/drawing/2014/main" id="{86220934-9927-41E9-82AB-E768D665A1B1}"/>
-              </a:ext>
-            </a:extLst>
-          </p:cNvPr>
-          <p:cNvPicPr>
-            <a:picLocks noChangeAspect="1"/>
-          </p:cNvPicPr>
-          <p:nvPr/>
-        </p:nvPicPr>
-        <p:blipFill>
-          <a:blip r:embed="rId3"/>
-          <a:stretch>
-            <a:fillRect/>
-          </a:stretch>
-        </p:blipFill>
-        <p:spPr>
-          <a:xfrm>
-            <a:off x="4907868" y="2276872"/>
-            <a:ext cx="5352752" cy="3828620"/>
-          </a:xfrm>
-          <a:prstGeom prst="rect">
-            <a:avLst/>
-          </a:prstGeom>
-        </p:spPr>
-      </p:pic>
       <p:sp>
         <p:nvSpPr>
           <p:cNvPr id="13" name="Text Box 2">
@@ -1866,8 +2259,8 @@
         </p:nvSpPr>
         <p:spPr bwMode="auto">
           <a:xfrm>
-            <a:off x="803412" y="3280192"/>
-            <a:ext cx="3996444" cy="2331407"/>
+            <a:off x="7176120" y="1502316"/>
+            <a:ext cx="4104456" cy="4007251"/>
           </a:xfrm>
           <a:prstGeom prst="rect">
             <a:avLst/>
@@ -1999,24 +2392,40 @@
             </a:lvl9pPr>
           </a:lstStyle>
           <a:p>
-            <a:pPr marL="0" indent="0" algn="just">
+            <a:pPr marL="0" indent="0">
+              <a:lnSpc>
+                <a:spcPct val="150000"/>
+              </a:lnSpc>
               <a:spcBef>
                 <a:spcPts val="300"/>
               </a:spcBef>
             </a:pPr>
             <a:r>
-              <a:rPr lang="it-IT" altLang="it-IT" sz="1600" dirty="0">
+              <a:rPr lang="it-IT" altLang="it-IT" sz="2000" b="1" dirty="0">
                 <a:solidFill>
                   <a:srgbClr val="000000"/>
                 </a:solidFill>
                 <a:latin typeface="Calibri" panose="020F0502020204030204" pitchFamily="34" charset="0"/>
                 <a:cs typeface="Calibri" panose="020F0502020204030204" pitchFamily="34" charset="0"/>
               </a:rPr>
-              <a:t>Punti sviluppati:</a:t>
-            </a:r>
-          </a:p>
-          <a:p>
-            <a:pPr marL="285750" indent="-285750" algn="just">
+              <a:t>Punti sviluppati</a:t>
+            </a:r>
+            <a:r>
+              <a:rPr lang="it-IT" altLang="it-IT" sz="2000" dirty="0">
+                <a:solidFill>
+                  <a:srgbClr val="000000"/>
+                </a:solidFill>
+                <a:latin typeface="Calibri" panose="020F0502020204030204" pitchFamily="34" charset="0"/>
+                <a:cs typeface="Calibri" panose="020F0502020204030204" pitchFamily="34" charset="0"/>
+              </a:rPr>
+              <a:t>:</a:t>
+            </a:r>
+          </a:p>
+          <a:p>
+            <a:pPr marL="285750" indent="-285750">
+              <a:lnSpc>
+                <a:spcPct val="150000"/>
+              </a:lnSpc>
               <a:spcBef>
                 <a:spcPts val="300"/>
               </a:spcBef>
@@ -2024,7 +2433,7 @@
               <a:buChar char="ü"/>
             </a:pPr>
             <a:r>
-              <a:rPr lang="it-IT" altLang="it-IT" sz="1600" dirty="0">
+              <a:rPr lang="it-IT" altLang="it-IT" sz="2000" dirty="0">
                 <a:solidFill>
                   <a:srgbClr val="000000"/>
                 </a:solidFill>
@@ -2034,7 +2443,7 @@
               <a:t>funzione </a:t>
             </a:r>
             <a:r>
-              <a:rPr lang="it-IT" altLang="it-IT" sz="1600" dirty="0" err="1">
+              <a:rPr lang="it-IT" altLang="it-IT" sz="2000" dirty="0" err="1">
                 <a:solidFill>
                   <a:srgbClr val="000000"/>
                 </a:solidFill>
@@ -2043,7 +2452,7 @@
               </a:rPr>
               <a:t>kindirDaVinci</a:t>
             </a:r>
-            <a:endParaRPr lang="it-IT" altLang="it-IT" sz="1600" dirty="0">
+            <a:endParaRPr lang="it-IT" altLang="it-IT" sz="2000" dirty="0">
               <a:solidFill>
                 <a:srgbClr val="000000"/>
               </a:solidFill>
@@ -2052,7 +2461,10 @@
             </a:endParaRPr>
           </a:p>
           <a:p>
-            <a:pPr marL="285750" indent="-285750" algn="just">
+            <a:pPr marL="285750" indent="-285750">
+              <a:lnSpc>
+                <a:spcPct val="150000"/>
+              </a:lnSpc>
               <a:spcBef>
                 <a:spcPts val="300"/>
               </a:spcBef>
@@ -2060,18 +2472,21 @@
               <a:buChar char="ü"/>
             </a:pPr>
             <a:r>
-              <a:rPr lang="it-IT" altLang="it-IT" sz="1600" dirty="0">
+              <a:rPr lang="it-IT" altLang="it-IT" sz="2000" dirty="0">
                 <a:solidFill>
                   <a:srgbClr val="000000"/>
                 </a:solidFill>
                 <a:latin typeface="Calibri" panose="020F0502020204030204" pitchFamily="34" charset="0"/>
                 <a:cs typeface="Calibri" panose="020F0502020204030204" pitchFamily="34" charset="0"/>
               </a:rPr>
-              <a:t>posizionamento braccio (primi 4 giunti)</a:t>
-            </a:r>
-          </a:p>
-          <a:p>
-            <a:pPr marL="285750" indent="-285750" algn="just">
+              <a:t>posizionamento braccio</a:t>
+            </a:r>
+          </a:p>
+          <a:p>
+            <a:pPr marL="285750" indent="-285750">
+              <a:lnSpc>
+                <a:spcPct val="150000"/>
+              </a:lnSpc>
               <a:spcBef>
                 <a:spcPts val="300"/>
               </a:spcBef>
@@ -2079,7 +2494,7 @@
               <a:buChar char="ü"/>
             </a:pPr>
             <a:r>
-              <a:rPr lang="it-IT" altLang="it-IT" sz="1600" dirty="0">
+              <a:rPr lang="it-IT" altLang="it-IT" sz="2000" dirty="0">
                 <a:solidFill>
                   <a:srgbClr val="000000"/>
                 </a:solidFill>
@@ -2089,7 +2504,7 @@
               <a:t>definizione punto target </a:t>
             </a:r>
             <a:r>
-              <a:rPr lang="it-IT" altLang="it-IT" sz="1600" dirty="0" err="1">
+              <a:rPr lang="it-IT" altLang="it-IT" sz="2000" dirty="0" err="1">
                 <a:solidFill>
                   <a:srgbClr val="000000"/>
                 </a:solidFill>
@@ -2099,7 +2514,7 @@
               <a:t>Pw</a:t>
             </a:r>
             <a:r>
-              <a:rPr lang="it-IT" altLang="it-IT" sz="1600" dirty="0">
+              <a:rPr lang="it-IT" altLang="it-IT" sz="2000" dirty="0">
                 <a:solidFill>
                   <a:srgbClr val="000000"/>
                 </a:solidFill>
@@ -2110,7 +2525,10 @@
             </a:r>
           </a:p>
           <a:p>
-            <a:pPr marL="285750" indent="-285750" algn="just">
+            <a:pPr marL="285750" indent="-285750">
+              <a:lnSpc>
+                <a:spcPct val="150000"/>
+              </a:lnSpc>
               <a:spcBef>
                 <a:spcPts val="300"/>
               </a:spcBef>
@@ -2118,7 +2536,7 @@
               <a:buChar char="ü"/>
             </a:pPr>
             <a:r>
-              <a:rPr lang="it-IT" altLang="it-IT" sz="1600" dirty="0">
+              <a:rPr lang="it-IT" altLang="it-IT" sz="2000" dirty="0">
                 <a:solidFill>
                   <a:srgbClr val="000000"/>
                 </a:solidFill>
@@ -2128,7 +2546,7 @@
               <a:t>funzione </a:t>
             </a:r>
             <a:r>
-              <a:rPr lang="it-IT" altLang="it-IT" sz="1600" dirty="0" err="1">
+              <a:rPr lang="it-IT" altLang="it-IT" sz="2000" dirty="0" err="1">
                 <a:solidFill>
                   <a:srgbClr val="000000"/>
                 </a:solidFill>
@@ -2137,7 +2555,7 @@
               </a:rPr>
               <a:t>invkinDaVinci</a:t>
             </a:r>
-            <a:endParaRPr lang="it-IT" altLang="it-IT" sz="1600" dirty="0">
+            <a:endParaRPr lang="it-IT" altLang="it-IT" sz="2000" dirty="0">
               <a:solidFill>
                 <a:srgbClr val="000000"/>
               </a:solidFill>
@@ -2146,7 +2564,10 @@
             </a:endParaRPr>
           </a:p>
           <a:p>
-            <a:pPr marL="285750" indent="-285750" algn="just">
+            <a:pPr marL="285750" indent="-285750">
+              <a:lnSpc>
+                <a:spcPct val="150000"/>
+              </a:lnSpc>
               <a:spcBef>
                 <a:spcPts val="300"/>
               </a:spcBef>
@@ -2154,7 +2575,7 @@
               <a:buChar char="ü"/>
             </a:pPr>
             <a:r>
-              <a:rPr lang="it-IT" altLang="it-IT" sz="1600" dirty="0">
+              <a:rPr lang="it-IT" altLang="it-IT" sz="2000" dirty="0">
                 <a:solidFill>
                   <a:srgbClr val="000000"/>
                 </a:solidFill>
@@ -2165,7 +2586,10 @@
             </a:r>
           </a:p>
           <a:p>
-            <a:pPr marL="285750" indent="-285750" algn="just">
+            <a:pPr marL="285750" indent="-285750">
+              <a:lnSpc>
+                <a:spcPct val="150000"/>
+              </a:lnSpc>
               <a:spcBef>
                 <a:spcPts val="300"/>
               </a:spcBef>
@@ -2173,7 +2597,7 @@
               <a:buChar char="ü"/>
             </a:pPr>
             <a:r>
-              <a:rPr lang="it-IT" altLang="it-IT" sz="1600" dirty="0">
+              <a:rPr lang="it-IT" altLang="it-IT" sz="2000" dirty="0">
                 <a:solidFill>
                   <a:srgbClr val="000000"/>
                 </a:solidFill>
@@ -2184,7 +2608,10 @@
             </a:r>
           </a:p>
           <a:p>
-            <a:pPr marL="285750" indent="-285750" algn="just">
+            <a:pPr marL="285750" indent="-285750">
+              <a:lnSpc>
+                <a:spcPct val="150000"/>
+              </a:lnSpc>
               <a:spcBef>
                 <a:spcPts val="300"/>
               </a:spcBef>
@@ -2192,16 +2619,16 @@
               <a:buChar char="ü"/>
             </a:pPr>
             <a:r>
-              <a:rPr lang="it-IT" altLang="it-IT" sz="1600" dirty="0">
+              <a:rPr lang="it-IT" altLang="it-IT" sz="2000" dirty="0">
                 <a:solidFill>
                   <a:srgbClr val="000000"/>
                 </a:solidFill>
                 <a:latin typeface="Calibri" panose="020F0502020204030204" pitchFamily="34" charset="0"/>
                 <a:cs typeface="Calibri" panose="020F0502020204030204" pitchFamily="34" charset="0"/>
               </a:rPr>
-              <a:t>aggiunta lettino e ridefinizione target</a:t>
-            </a:r>
-            <a:endParaRPr lang="it-IT" altLang="it-IT" sz="1800" i="1" dirty="0">
+              <a:t>aggiunta lettino</a:t>
+            </a:r>
+            <a:endParaRPr lang="it-IT" altLang="it-IT" sz="2000" i="1" dirty="0">
               <a:solidFill>
                 <a:srgbClr val="000000"/>
               </a:solidFill>
@@ -2243,271 +2670,6 @@
       </p:grpSpPr>
       <p:sp>
         <p:nvSpPr>
-          <p:cNvPr id="7" name="Text Box 2">
-            <a:extLst>
-              <a:ext uri="{FF2B5EF4-FFF2-40B4-BE49-F238E27FC236}">
-                <a16:creationId xmlns:a16="http://schemas.microsoft.com/office/drawing/2014/main" id="{D66EB147-A449-45CE-AC71-132D408CD3DD}"/>
-              </a:ext>
-            </a:extLst>
-          </p:cNvPr>
-          <p:cNvSpPr txBox="1">
-            <a:spLocks noChangeArrowheads="1"/>
-          </p:cNvSpPr>
-          <p:nvPr/>
-        </p:nvSpPr>
-        <p:spPr bwMode="auto">
-          <a:xfrm>
-            <a:off x="731404" y="1289953"/>
-            <a:ext cx="4248472" cy="2139047"/>
-          </a:xfrm>
-          <a:prstGeom prst="rect">
-            <a:avLst/>
-          </a:prstGeom>
-          <a:noFill/>
-          <a:ln>
-            <a:noFill/>
-          </a:ln>
-          <a:extLst>
-            <a:ext uri="{909E8E84-426E-40DD-AFC4-6F175D3DCCD1}">
-              <a14:hiddenFill xmlns:a14="http://schemas.microsoft.com/office/drawing/2010/main">
-                <a:solidFill>
-                  <a:srgbClr val="FFFFFF"/>
-                </a:solidFill>
-              </a14:hiddenFill>
-            </a:ext>
-            <a:ext uri="{91240B29-F687-4F45-9708-019B960494DF}">
-              <a14:hiddenLine xmlns:a14="http://schemas.microsoft.com/office/drawing/2010/main" w="9525">
-                <a:solidFill>
-                  <a:srgbClr val="000000"/>
-                </a:solidFill>
-                <a:miter lim="800000"/>
-                <a:headEnd/>
-                <a:tailEnd/>
-              </a14:hiddenLine>
-            </a:ext>
-          </a:extLst>
-        </p:spPr>
-        <p:txBody>
-          <a:bodyPr wrap="square">
-            <a:spAutoFit/>
-          </a:bodyPr>
-          <a:lstStyle>
-            <a:lvl1pPr marL="457200" indent="-457200">
-              <a:defRPr sz="500">
-                <a:solidFill>
-                  <a:schemeClr val="tx1"/>
-                </a:solidFill>
-                <a:latin typeface="Times New Roman" panose="02020603050405020304" pitchFamily="18" charset="0"/>
-              </a:defRPr>
-            </a:lvl1pPr>
-            <a:lvl2pPr marL="742950" indent="-285750">
-              <a:defRPr sz="500">
-                <a:solidFill>
-                  <a:schemeClr val="tx1"/>
-                </a:solidFill>
-                <a:latin typeface="Times New Roman" panose="02020603050405020304" pitchFamily="18" charset="0"/>
-              </a:defRPr>
-            </a:lvl2pPr>
-            <a:lvl3pPr marL="1143000" indent="-228600">
-              <a:defRPr sz="500">
-                <a:solidFill>
-                  <a:schemeClr val="tx1"/>
-                </a:solidFill>
-                <a:latin typeface="Times New Roman" panose="02020603050405020304" pitchFamily="18" charset="0"/>
-              </a:defRPr>
-            </a:lvl3pPr>
-            <a:lvl4pPr marL="1600200" indent="-228600">
-              <a:defRPr sz="500">
-                <a:solidFill>
-                  <a:schemeClr val="tx1"/>
-                </a:solidFill>
-                <a:latin typeface="Times New Roman" panose="02020603050405020304" pitchFamily="18" charset="0"/>
-              </a:defRPr>
-            </a:lvl4pPr>
-            <a:lvl5pPr marL="2057400" indent="-228600">
-              <a:defRPr sz="500">
-                <a:solidFill>
-                  <a:schemeClr val="tx1"/>
-                </a:solidFill>
-                <a:latin typeface="Times New Roman" panose="02020603050405020304" pitchFamily="18" charset="0"/>
-              </a:defRPr>
-            </a:lvl5pPr>
-            <a:lvl6pPr marL="2514600" indent="-228600" eaLnBrk="0" fontAlgn="base" hangingPunct="0">
-              <a:spcBef>
-                <a:spcPct val="0"/>
-              </a:spcBef>
-              <a:spcAft>
-                <a:spcPct val="0"/>
-              </a:spcAft>
-              <a:defRPr sz="500">
-                <a:solidFill>
-                  <a:schemeClr val="tx1"/>
-                </a:solidFill>
-                <a:latin typeface="Times New Roman" panose="02020603050405020304" pitchFamily="18" charset="0"/>
-              </a:defRPr>
-            </a:lvl6pPr>
-            <a:lvl7pPr marL="2971800" indent="-228600" eaLnBrk="0" fontAlgn="base" hangingPunct="0">
-              <a:spcBef>
-                <a:spcPct val="0"/>
-              </a:spcBef>
-              <a:spcAft>
-                <a:spcPct val="0"/>
-              </a:spcAft>
-              <a:defRPr sz="500">
-                <a:solidFill>
-                  <a:schemeClr val="tx1"/>
-                </a:solidFill>
-                <a:latin typeface="Times New Roman" panose="02020603050405020304" pitchFamily="18" charset="0"/>
-              </a:defRPr>
-            </a:lvl7pPr>
-            <a:lvl8pPr marL="3429000" indent="-228600" eaLnBrk="0" fontAlgn="base" hangingPunct="0">
-              <a:spcBef>
-                <a:spcPct val="0"/>
-              </a:spcBef>
-              <a:spcAft>
-                <a:spcPct val="0"/>
-              </a:spcAft>
-              <a:defRPr sz="500">
-                <a:solidFill>
-                  <a:schemeClr val="tx1"/>
-                </a:solidFill>
-                <a:latin typeface="Times New Roman" panose="02020603050405020304" pitchFamily="18" charset="0"/>
-              </a:defRPr>
-            </a:lvl8pPr>
-            <a:lvl9pPr marL="3886200" indent="-228600" eaLnBrk="0" fontAlgn="base" hangingPunct="0">
-              <a:spcBef>
-                <a:spcPct val="0"/>
-              </a:spcBef>
-              <a:spcAft>
-                <a:spcPct val="0"/>
-              </a:spcAft>
-              <a:defRPr sz="500">
-                <a:solidFill>
-                  <a:schemeClr val="tx1"/>
-                </a:solidFill>
-                <a:latin typeface="Times New Roman" panose="02020603050405020304" pitchFamily="18" charset="0"/>
-              </a:defRPr>
-            </a:lvl9pPr>
-          </a:lstStyle>
-          <a:p>
-            <a:pPr marL="0" indent="0" algn="just">
-              <a:spcBef>
-                <a:spcPts val="300"/>
-              </a:spcBef>
-            </a:pPr>
-            <a:r>
-              <a:rPr lang="it-IT" altLang="it-IT" sz="1600" dirty="0">
-                <a:solidFill>
-                  <a:srgbClr val="000000"/>
-                </a:solidFill>
-                <a:latin typeface="Calibri" panose="020F0502020204030204" pitchFamily="34" charset="0"/>
-                <a:cs typeface="Calibri" panose="020F0502020204030204" pitchFamily="34" charset="0"/>
-              </a:rPr>
-              <a:t>Tra i possibili contenuti: singolo fotogramma della simulazione (una o più viste del robot simulato), grafici con l’andamento nel tempo delle coordinate libere </a:t>
-            </a:r>
-            <a:r>
-              <a:rPr lang="it-IT" altLang="it-IT" sz="1600" dirty="0" err="1">
-                <a:solidFill>
-                  <a:srgbClr val="000000"/>
-                </a:solidFill>
-                <a:latin typeface="Calibri" panose="020F0502020204030204" pitchFamily="34" charset="0"/>
-                <a:cs typeface="Calibri" panose="020F0502020204030204" pitchFamily="34" charset="0"/>
-              </a:rPr>
-              <a:t>qi</a:t>
-            </a:r>
-            <a:r>
-              <a:rPr lang="it-IT" altLang="it-IT" sz="1600" dirty="0">
-                <a:solidFill>
-                  <a:srgbClr val="000000"/>
-                </a:solidFill>
-                <a:latin typeface="Calibri" panose="020F0502020204030204" pitchFamily="34" charset="0"/>
-                <a:cs typeface="Calibri" panose="020F0502020204030204" pitchFamily="34" charset="0"/>
-              </a:rPr>
-              <a:t>, grafici dell’andamento nel tempo di </a:t>
-            </a:r>
-            <a:r>
-              <a:rPr lang="it-IT" altLang="it-IT" sz="1600" dirty="0" err="1">
-                <a:solidFill>
-                  <a:srgbClr val="000000"/>
-                </a:solidFill>
-                <a:latin typeface="Calibri" panose="020F0502020204030204" pitchFamily="34" charset="0"/>
-                <a:cs typeface="Calibri" panose="020F0502020204030204" pitchFamily="34" charset="0"/>
-              </a:rPr>
-              <a:t>x,y,z</a:t>
-            </a:r>
-            <a:r>
-              <a:rPr lang="it-IT" altLang="it-IT" sz="1600" dirty="0">
-                <a:solidFill>
-                  <a:srgbClr val="000000"/>
-                </a:solidFill>
-                <a:latin typeface="Calibri" panose="020F0502020204030204" pitchFamily="34" charset="0"/>
-                <a:cs typeface="Calibri" panose="020F0502020204030204" pitchFamily="34" charset="0"/>
-              </a:rPr>
-              <a:t> (origine terna </a:t>
-            </a:r>
-            <a:r>
-              <a:rPr lang="it-IT" altLang="it-IT" sz="1600" dirty="0" err="1">
-                <a:solidFill>
-                  <a:srgbClr val="000000"/>
-                </a:solidFill>
-                <a:latin typeface="Calibri" panose="020F0502020204030204" pitchFamily="34" charset="0"/>
-                <a:cs typeface="Calibri" panose="020F0502020204030204" pitchFamily="34" charset="0"/>
-              </a:rPr>
-              <a:t>tool</a:t>
-            </a:r>
-            <a:r>
-              <a:rPr lang="it-IT" altLang="it-IT" sz="1600" dirty="0">
-                <a:solidFill>
-                  <a:srgbClr val="000000"/>
-                </a:solidFill>
-                <a:latin typeface="Calibri" panose="020F0502020204030204" pitchFamily="34" charset="0"/>
-                <a:cs typeface="Calibri" panose="020F0502020204030204" pitchFamily="34" charset="0"/>
-              </a:rPr>
-              <a:t>), ecc.</a:t>
-            </a:r>
-          </a:p>
-          <a:p>
-            <a:pPr marL="0" indent="0" algn="just">
-              <a:spcBef>
-                <a:spcPts val="300"/>
-              </a:spcBef>
-            </a:pPr>
-            <a:endParaRPr lang="it-IT" altLang="it-IT" sz="1600" i="1" dirty="0">
-              <a:solidFill>
-                <a:srgbClr val="000000"/>
-              </a:solidFill>
-              <a:latin typeface="Calibri" panose="020F0502020204030204" pitchFamily="34" charset="0"/>
-              <a:cs typeface="Calibri" panose="020F0502020204030204" pitchFamily="34" charset="0"/>
-            </a:endParaRPr>
-          </a:p>
-          <a:p>
-            <a:pPr marL="0" indent="0" algn="just">
-              <a:spcBef>
-                <a:spcPts val="300"/>
-              </a:spcBef>
-            </a:pPr>
-            <a:r>
-              <a:rPr lang="it-IT" altLang="it-IT" sz="1600" i="1" dirty="0">
-                <a:solidFill>
-                  <a:srgbClr val="000000"/>
-                </a:solidFill>
-                <a:latin typeface="Calibri" panose="020F0502020204030204" pitchFamily="34" charset="0"/>
-                <a:cs typeface="Calibri" panose="020F0502020204030204" pitchFamily="34" charset="0"/>
-              </a:rPr>
-              <a:t>Oltre alle immagini, è possibile aggiungere brevi descrizioni se utili alla comprensione</a:t>
-            </a:r>
-            <a:endParaRPr lang="it-IT" altLang="it-IT" sz="1800" i="1" dirty="0">
-              <a:solidFill>
-                <a:srgbClr val="000000"/>
-              </a:solidFill>
-              <a:latin typeface="Calibri" panose="020F0502020204030204" pitchFamily="34" charset="0"/>
-              <a:cs typeface="Calibri" panose="020F0502020204030204" pitchFamily="34" charset="0"/>
-            </a:endParaRPr>
-          </a:p>
-        </p:txBody>
-      </p:sp>
-      <p:sp>
-        <p:nvSpPr>
           <p:cNvPr id="2" name="Titolo 1">
             <a:extLst>
               <a:ext uri="{FF2B5EF4-FFF2-40B4-BE49-F238E27FC236}">
@@ -2528,19 +2690,61 @@
           <a:lstStyle/>
           <a:p>
             <a:r>
-              <a:rPr lang="it-IT" sz="2800" i="1" kern="0" dirty="0"/>
-              <a:t>Contenuto 1</a:t>
-            </a:r>
-            <a:endParaRPr lang="it-IT" dirty="0"/>
+              <a:rPr lang="it-IT" dirty="0"/>
+              <a:t>Configurazione iniziale</a:t>
+            </a:r>
+          </a:p>
+        </p:txBody>
+      </p:sp>
+      <p:sp>
+        <p:nvSpPr>
+          <p:cNvPr id="3" name="TextBox 2">
+            <a:extLst>
+              <a:ext uri="{FF2B5EF4-FFF2-40B4-BE49-F238E27FC236}">
+                <a16:creationId xmlns:a16="http://schemas.microsoft.com/office/drawing/2014/main" id="{22D275EE-581D-12BC-0D0C-F9E1D24D1756}"/>
+              </a:ext>
+            </a:extLst>
+          </p:cNvPr>
+          <p:cNvSpPr txBox="1"/>
+          <p:nvPr/>
+        </p:nvSpPr>
+        <p:spPr>
+          <a:xfrm>
+            <a:off x="479376" y="3397045"/>
+            <a:ext cx="3384376" cy="506292"/>
+          </a:xfrm>
+          <a:prstGeom prst="rect">
+            <a:avLst/>
+          </a:prstGeom>
+          <a:noFill/>
+        </p:spPr>
+        <p:txBody>
+          <a:bodyPr wrap="square" rtlCol="0">
+            <a:spAutoFit/>
+          </a:bodyPr>
+          <a:lstStyle/>
+          <a:p>
+            <a:pPr algn="ctr">
+              <a:lnSpc>
+                <a:spcPct val="150000"/>
+              </a:lnSpc>
+            </a:pPr>
+            <a:r>
+              <a:rPr lang="en-IT" sz="2000" dirty="0">
+                <a:latin typeface="Calibri" panose="020F0502020204030204" pitchFamily="34" charset="0"/>
+                <a:cs typeface="Calibri" panose="020F0502020204030204" pitchFamily="34" charset="0"/>
+              </a:rPr>
+              <a:t>Posizionamento del braccio</a:t>
+            </a:r>
           </a:p>
         </p:txBody>
       </p:sp>
       <p:pic>
         <p:nvPicPr>
-          <p:cNvPr id="6" name="Immagine 5">
+          <p:cNvPr id="6" name="Picture 5" descr="A blue and black machine with a blue and black object&#10;&#10;Description automatically generated with medium confidence">
             <a:extLst>
               <a:ext uri="{FF2B5EF4-FFF2-40B4-BE49-F238E27FC236}">
-                <a16:creationId xmlns:a16="http://schemas.microsoft.com/office/drawing/2014/main" id="{E6474E8F-F3C5-4304-9DFF-1122C7E24607}"/>
+                <a16:creationId xmlns:a16="http://schemas.microsoft.com/office/drawing/2014/main" id="{B7463D39-DA96-7BDD-9536-DC37EBD84AC1}"/>
               </a:ext>
             </a:extLst>
           </p:cNvPr>
@@ -2550,15 +2754,21 @@
           <p:nvPr/>
         </p:nvPicPr>
         <p:blipFill>
-          <a:blip r:embed="rId3"/>
+          <a:blip r:embed="rId3">
+            <a:extLst>
+              <a:ext uri="{28A0092B-C50C-407E-A947-70E740481C1C}">
+                <a14:useLocalDpi xmlns:a14="http://schemas.microsoft.com/office/drawing/2010/main" val="0"/>
+              </a:ext>
+            </a:extLst>
+          </a:blip>
           <a:stretch>
             <a:fillRect/>
           </a:stretch>
         </p:blipFill>
         <p:spPr>
           <a:xfrm>
-            <a:off x="5735960" y="2348880"/>
-            <a:ext cx="5352752" cy="3828620"/>
+            <a:off x="4213980" y="880674"/>
+            <a:ext cx="7282620" cy="6000701"/>
           </a:xfrm>
           <a:prstGeom prst="rect">
             <a:avLst/>
@@ -2568,7 +2778,7 @@
     </p:spTree>
     <p:extLst>
       <p:ext uri="{BB962C8B-B14F-4D97-AF65-F5344CB8AC3E}">
-        <p14:creationId xmlns:p14="http://schemas.microsoft.com/office/powerpoint/2010/main" val="1924040979"/>
+        <p14:creationId xmlns:p14="http://schemas.microsoft.com/office/powerpoint/2010/main" val="1343666350"/>
       </p:ext>
     </p:extLst>
   </p:cSld>
@@ -2597,178 +2807,181 @@
       </p:grpSpPr>
       <p:sp>
         <p:nvSpPr>
-          <p:cNvPr id="7" name="Text Box 2">
+          <p:cNvPr id="2" name="Titolo 1">
             <a:extLst>
               <a:ext uri="{FF2B5EF4-FFF2-40B4-BE49-F238E27FC236}">
-                <a16:creationId xmlns:a16="http://schemas.microsoft.com/office/drawing/2014/main" id="{D66EB147-A449-45CE-AC71-132D408CD3DD}"/>
+                <a16:creationId xmlns:a16="http://schemas.microsoft.com/office/drawing/2014/main" id="{2B364C08-A7DB-48B3-9218-BF4810A881C5}"/>
               </a:ext>
             </a:extLst>
           </p:cNvPr>
-          <p:cNvSpPr txBox="1">
-            <a:spLocks noChangeArrowheads="1"/>
+          <p:cNvSpPr>
+            <a:spLocks noGrp="1"/>
           </p:cNvSpPr>
+          <p:nvPr>
+            <p:ph type="title"/>
+          </p:nvPr>
+        </p:nvSpPr>
+        <p:spPr/>
+        <p:txBody>
+          <a:bodyPr/>
+          <a:lstStyle/>
+          <a:p>
+            <a:r>
+              <a:rPr lang="it-IT" dirty="0"/>
+              <a:t>cinematica inversa</a:t>
+            </a:r>
+          </a:p>
+        </p:txBody>
+      </p:sp>
+      <p:sp>
+        <p:nvSpPr>
+          <p:cNvPr id="3" name="TextBox 2">
+            <a:extLst>
+              <a:ext uri="{FF2B5EF4-FFF2-40B4-BE49-F238E27FC236}">
+                <a16:creationId xmlns:a16="http://schemas.microsoft.com/office/drawing/2014/main" id="{22D275EE-581D-12BC-0D0C-F9E1D24D1756}"/>
+              </a:ext>
+            </a:extLst>
+          </p:cNvPr>
+          <p:cNvSpPr txBox="1"/>
           <p:nvPr/>
         </p:nvSpPr>
-        <p:spPr bwMode="auto">
+        <p:spPr>
           <a:xfrm>
-            <a:off x="731404" y="1261851"/>
-            <a:ext cx="4608512" cy="338554"/>
+            <a:off x="443372" y="2588086"/>
+            <a:ext cx="3096344" cy="2554545"/>
           </a:xfrm>
           <a:prstGeom prst="rect">
             <a:avLst/>
           </a:prstGeom>
           <a:noFill/>
-          <a:ln>
-            <a:noFill/>
-          </a:ln>
-          <a:extLst>
-            <a:ext uri="{909E8E84-426E-40DD-AFC4-6F175D3DCCD1}">
-              <a14:hiddenFill xmlns:a14="http://schemas.microsoft.com/office/drawing/2010/main">
-                <a:solidFill>
-                  <a:srgbClr val="FFFFFF"/>
-                </a:solidFill>
-              </a14:hiddenFill>
-            </a:ext>
-            <a:ext uri="{91240B29-F687-4F45-9708-019B960494DF}">
-              <a14:hiddenLine xmlns:a14="http://schemas.microsoft.com/office/drawing/2010/main" w="9525">
-                <a:solidFill>
-                  <a:srgbClr val="000000"/>
-                </a:solidFill>
-                <a:miter lim="800000"/>
-                <a:headEnd/>
-                <a:tailEnd/>
-              </a14:hiddenLine>
-            </a:ext>
-          </a:extLst>
         </p:spPr>
         <p:txBody>
-          <a:bodyPr wrap="square">
+          <a:bodyPr wrap="square" rtlCol="0">
             <a:spAutoFit/>
           </a:bodyPr>
-          <a:lstStyle>
-            <a:lvl1pPr marL="457200" indent="-457200">
-              <a:defRPr sz="500">
-                <a:solidFill>
-                  <a:schemeClr val="tx1"/>
-                </a:solidFill>
-                <a:latin typeface="Times New Roman" panose="02020603050405020304" pitchFamily="18" charset="0"/>
-              </a:defRPr>
-            </a:lvl1pPr>
-            <a:lvl2pPr marL="742950" indent="-285750">
-              <a:defRPr sz="500">
-                <a:solidFill>
-                  <a:schemeClr val="tx1"/>
-                </a:solidFill>
-                <a:latin typeface="Times New Roman" panose="02020603050405020304" pitchFamily="18" charset="0"/>
-              </a:defRPr>
-            </a:lvl2pPr>
-            <a:lvl3pPr marL="1143000" indent="-228600">
-              <a:defRPr sz="500">
-                <a:solidFill>
-                  <a:schemeClr val="tx1"/>
-                </a:solidFill>
-                <a:latin typeface="Times New Roman" panose="02020603050405020304" pitchFamily="18" charset="0"/>
-              </a:defRPr>
-            </a:lvl3pPr>
-            <a:lvl4pPr marL="1600200" indent="-228600">
-              <a:defRPr sz="500">
-                <a:solidFill>
-                  <a:schemeClr val="tx1"/>
-                </a:solidFill>
-                <a:latin typeface="Times New Roman" panose="02020603050405020304" pitchFamily="18" charset="0"/>
-              </a:defRPr>
-            </a:lvl4pPr>
-            <a:lvl5pPr marL="2057400" indent="-228600">
-              <a:defRPr sz="500">
-                <a:solidFill>
-                  <a:schemeClr val="tx1"/>
-                </a:solidFill>
-                <a:latin typeface="Times New Roman" panose="02020603050405020304" pitchFamily="18" charset="0"/>
-              </a:defRPr>
-            </a:lvl5pPr>
-            <a:lvl6pPr marL="2514600" indent="-228600" eaLnBrk="0" fontAlgn="base" hangingPunct="0">
-              <a:spcBef>
-                <a:spcPct val="0"/>
-              </a:spcBef>
-              <a:spcAft>
-                <a:spcPct val="0"/>
-              </a:spcAft>
-              <a:defRPr sz="500">
-                <a:solidFill>
-                  <a:schemeClr val="tx1"/>
-                </a:solidFill>
-                <a:latin typeface="Times New Roman" panose="02020603050405020304" pitchFamily="18" charset="0"/>
-              </a:defRPr>
-            </a:lvl6pPr>
-            <a:lvl7pPr marL="2971800" indent="-228600" eaLnBrk="0" fontAlgn="base" hangingPunct="0">
-              <a:spcBef>
-                <a:spcPct val="0"/>
-              </a:spcBef>
-              <a:spcAft>
-                <a:spcPct val="0"/>
-              </a:spcAft>
-              <a:defRPr sz="500">
-                <a:solidFill>
-                  <a:schemeClr val="tx1"/>
-                </a:solidFill>
-                <a:latin typeface="Times New Roman" panose="02020603050405020304" pitchFamily="18" charset="0"/>
-              </a:defRPr>
-            </a:lvl7pPr>
-            <a:lvl8pPr marL="3429000" indent="-228600" eaLnBrk="0" fontAlgn="base" hangingPunct="0">
-              <a:spcBef>
-                <a:spcPct val="0"/>
-              </a:spcBef>
-              <a:spcAft>
-                <a:spcPct val="0"/>
-              </a:spcAft>
-              <a:defRPr sz="500">
-                <a:solidFill>
-                  <a:schemeClr val="tx1"/>
-                </a:solidFill>
-                <a:latin typeface="Times New Roman" panose="02020603050405020304" pitchFamily="18" charset="0"/>
-              </a:defRPr>
-            </a:lvl8pPr>
-            <a:lvl9pPr marL="3886200" indent="-228600" eaLnBrk="0" fontAlgn="base" hangingPunct="0">
-              <a:spcBef>
-                <a:spcPct val="0"/>
-              </a:spcBef>
-              <a:spcAft>
-                <a:spcPct val="0"/>
-              </a:spcAft>
-              <a:defRPr sz="500">
-                <a:solidFill>
-                  <a:schemeClr val="tx1"/>
-                </a:solidFill>
-                <a:latin typeface="Times New Roman" panose="02020603050405020304" pitchFamily="18" charset="0"/>
-              </a:defRPr>
-            </a:lvl9pPr>
-          </a:lstStyle>
-          <a:p>
-            <a:pPr marL="0" indent="0" algn="just">
-              <a:spcBef>
-                <a:spcPts val="300"/>
-              </a:spcBef>
-            </a:pPr>
-            <a:r>
-              <a:rPr lang="it-IT" altLang="it-IT" sz="1600" dirty="0">
-                <a:solidFill>
-                  <a:srgbClr val="000000"/>
-                </a:solidFill>
+          <a:lstStyle/>
+          <a:p>
+            <a:pPr algn="ctr"/>
+            <a:r>
+              <a:rPr lang="en-IT" sz="2000" dirty="0">
                 <a:latin typeface="Calibri" panose="020F0502020204030204" pitchFamily="34" charset="0"/>
                 <a:cs typeface="Calibri" panose="020F0502020204030204" pitchFamily="34" charset="0"/>
               </a:rPr>
-              <a:t>Il numero di slide è libero</a:t>
-            </a:r>
-            <a:endParaRPr lang="it-IT" altLang="it-IT" sz="1800" i="1" dirty="0">
-              <a:solidFill>
-                <a:srgbClr val="000000"/>
-              </a:solidFill>
+              <a:t>Definizione Punto target iniziale:</a:t>
+            </a:r>
+          </a:p>
+          <a:p>
+            <a:pPr algn="ctr"/>
+            <a:r>
+              <a:rPr lang="en-IT" sz="2000" dirty="0">
+                <a:latin typeface="Calibri" panose="020F0502020204030204" pitchFamily="34" charset="0"/>
+                <a:cs typeface="Calibri" panose="020F0502020204030204" pitchFamily="34" charset="0"/>
+              </a:rPr>
+              <a:t>(1100, -500, 1200, 1)</a:t>
+            </a:r>
+          </a:p>
+          <a:p>
+            <a:pPr algn="ctr"/>
+            <a:endParaRPr lang="en-IT" sz="2000" dirty="0">
               <a:latin typeface="Calibri" panose="020F0502020204030204" pitchFamily="34" charset="0"/>
               <a:cs typeface="Calibri" panose="020F0502020204030204" pitchFamily="34" charset="0"/>
             </a:endParaRPr>
           </a:p>
+          <a:p>
+            <a:pPr algn="ctr"/>
+            <a:r>
+              <a:rPr lang="en-IT" sz="2000" dirty="0">
+                <a:latin typeface="Calibri" panose="020F0502020204030204" pitchFamily="34" charset="0"/>
+                <a:cs typeface="Calibri" panose="020F0502020204030204" pitchFamily="34" charset="0"/>
+              </a:rPr>
+              <a:t>Definizione Punto target finale:</a:t>
+            </a:r>
+          </a:p>
+          <a:p>
+            <a:pPr algn="ctr"/>
+            <a:r>
+              <a:rPr lang="en-IT" sz="2000" dirty="0">
+                <a:latin typeface="Calibri" panose="020F0502020204030204" pitchFamily="34" charset="0"/>
+                <a:cs typeface="Calibri" panose="020F0502020204030204" pitchFamily="34" charset="0"/>
+              </a:rPr>
+              <a:t>(900, -100, 800, 1)</a:t>
+            </a:r>
+          </a:p>
+          <a:p>
+            <a:pPr algn="ctr"/>
+            <a:endParaRPr lang="en-IT" sz="2000" dirty="0">
+              <a:latin typeface="Calibri" panose="020F0502020204030204" pitchFamily="34" charset="0"/>
+              <a:cs typeface="Calibri" panose="020F0502020204030204" pitchFamily="34" charset="0"/>
+            </a:endParaRPr>
+          </a:p>
         </p:txBody>
       </p:sp>
+      <p:pic>
+        <p:nvPicPr>
+          <p:cNvPr id="6" name="Picture 5" descr="A blue and green machine with a graph&#10;&#10;Description automatically generated with medium confidence">
+            <a:extLst>
+              <a:ext uri="{FF2B5EF4-FFF2-40B4-BE49-F238E27FC236}">
+                <a16:creationId xmlns:a16="http://schemas.microsoft.com/office/drawing/2014/main" id="{CB08B2ED-91A0-CD84-F4AF-F4737210EBA9}"/>
+              </a:ext>
+            </a:extLst>
+          </p:cNvPr>
+          <p:cNvPicPr>
+            <a:picLocks noChangeAspect="1"/>
+          </p:cNvPicPr>
+          <p:nvPr/>
+        </p:nvPicPr>
+        <p:blipFill>
+          <a:blip r:embed="rId3">
+            <a:extLst>
+              <a:ext uri="{28A0092B-C50C-407E-A947-70E740481C1C}">
+                <a14:useLocalDpi xmlns:a14="http://schemas.microsoft.com/office/drawing/2010/main" val="0"/>
+              </a:ext>
+            </a:extLst>
+          </a:blip>
+          <a:stretch>
+            <a:fillRect/>
+          </a:stretch>
+        </p:blipFill>
+        <p:spPr>
+          <a:xfrm>
+            <a:off x="3692406" y="872717"/>
+            <a:ext cx="8499594" cy="5985284"/>
+          </a:xfrm>
+          <a:prstGeom prst="rect">
+            <a:avLst/>
+          </a:prstGeom>
+        </p:spPr>
+      </p:pic>
+    </p:spTree>
+    <p:extLst>
+      <p:ext uri="{BB962C8B-B14F-4D97-AF65-F5344CB8AC3E}">
+        <p14:creationId xmlns:p14="http://schemas.microsoft.com/office/powerpoint/2010/main" val="1033300910"/>
+      </p:ext>
+    </p:extLst>
+  </p:cSld>
+  <p:clrMapOvr>
+    <a:masterClrMapping/>
+  </p:clrMapOvr>
+</p:sld>
+</file>
+
+<file path=ppt/slides/slide4.xml><?xml version="1.0" encoding="utf-8"?>
+<p:sld xmlns:a="http://schemas.openxmlformats.org/drawingml/2006/main" xmlns:r="http://schemas.openxmlformats.org/officeDocument/2006/relationships" xmlns:p="http://schemas.openxmlformats.org/presentationml/2006/main">
+  <p:cSld>
+    <p:spTree>
+      <p:nvGrpSpPr>
+        <p:cNvPr id="1" name=""/>
+        <p:cNvGrpSpPr/>
+        <p:nvPr/>
+      </p:nvGrpSpPr>
+      <p:grpSpPr>
+        <a:xfrm>
+          <a:off x="0" y="0"/>
+          <a:ext cx="0" cy="0"/>
+          <a:chOff x="0" y="0"/>
+          <a:chExt cx="0" cy="0"/>
+        </a:xfrm>
+      </p:grpSpPr>
       <p:sp>
         <p:nvSpPr>
           <p:cNvPr id="2" name="Titolo 1">
@@ -2792,18 +3005,70 @@
           <a:p>
             <a:r>
               <a:rPr lang="it-IT" sz="2800" i="1" kern="0" dirty="0"/>
-              <a:t>Contenuto 2</a:t>
+              <a:t>Pianificazione di traiettorie</a:t>
             </a:r>
             <a:endParaRPr lang="it-IT" dirty="0"/>
+          </a:p>
+        </p:txBody>
+      </p:sp>
+      <p:sp>
+        <p:nvSpPr>
+          <p:cNvPr id="8" name="TextBox 7">
+            <a:extLst>
+              <a:ext uri="{FF2B5EF4-FFF2-40B4-BE49-F238E27FC236}">
+                <a16:creationId xmlns:a16="http://schemas.microsoft.com/office/drawing/2014/main" id="{0C15367E-BD46-0115-82F7-DE2933AFE4E5}"/>
+              </a:ext>
+            </a:extLst>
+          </p:cNvPr>
+          <p:cNvSpPr txBox="1"/>
+          <p:nvPr/>
+        </p:nvSpPr>
+        <p:spPr>
+          <a:xfrm>
+            <a:off x="6326165" y="1081334"/>
+            <a:ext cx="3478493" cy="400110"/>
+          </a:xfrm>
+          <a:prstGeom prst="rect">
+            <a:avLst/>
+          </a:prstGeom>
+          <a:noFill/>
+        </p:spPr>
+        <p:txBody>
+          <a:bodyPr wrap="square" rtlCol="0">
+            <a:spAutoFit/>
+          </a:bodyPr>
+          <a:lstStyle/>
+          <a:p>
+            <a:r>
+              <a:rPr lang="en-IT" sz="2000" b="1" dirty="0">
+                <a:latin typeface="Calibri" panose="020F0502020204030204" pitchFamily="34" charset="0"/>
+                <a:cs typeface="Calibri" panose="020F0502020204030204" pitchFamily="34" charset="0"/>
+              </a:rPr>
+              <a:t>Legge di moto </a:t>
+            </a:r>
+            <a:r>
+              <a:rPr lang="it-IT" sz="2000" b="1" dirty="0">
+                <a:latin typeface="Calibri" panose="020F0502020204030204" pitchFamily="34" charset="0"/>
+                <a:cs typeface="Calibri" panose="020F0502020204030204" pitchFamily="34" charset="0"/>
+              </a:rPr>
+              <a:t>dei </a:t>
+            </a:r>
+            <a:r>
+              <a:rPr lang="en-IT" sz="2000" b="1" dirty="0">
+                <a:latin typeface="Calibri" panose="020F0502020204030204" pitchFamily="34" charset="0"/>
+                <a:cs typeface="Calibri" panose="020F0502020204030204" pitchFamily="34" charset="0"/>
+              </a:rPr>
+              <a:t>singoli giunti</a:t>
+            </a:r>
           </a:p>
         </p:txBody>
       </p:sp>
       <p:pic>
         <p:nvPicPr>
-          <p:cNvPr id="6" name="Immagine 5">
+          <p:cNvPr id="5" name="Picture 4" descr="A graph with lines and numbers&#10;&#10;Description automatically generated with medium confidence">
             <a:extLst>
               <a:ext uri="{FF2B5EF4-FFF2-40B4-BE49-F238E27FC236}">
-                <a16:creationId xmlns:a16="http://schemas.microsoft.com/office/drawing/2014/main" id="{E6474E8F-F3C5-4304-9DFF-1122C7E24607}"/>
+                <a16:creationId xmlns:a16="http://schemas.microsoft.com/office/drawing/2014/main" id="{A12F0661-FABC-4633-A8BC-C4DCC3E6B06B}"/>
               </a:ext>
             </a:extLst>
           </p:cNvPr>
@@ -2813,21 +3078,285 @@
           <p:nvPr/>
         </p:nvPicPr>
         <p:blipFill>
-          <a:blip r:embed="rId3"/>
+          <a:blip r:embed="rId3">
+            <a:extLst>
+              <a:ext uri="{28A0092B-C50C-407E-A947-70E740481C1C}">
+                <a14:useLocalDpi xmlns:a14="http://schemas.microsoft.com/office/drawing/2010/main" val="0"/>
+              </a:ext>
+            </a:extLst>
+          </a:blip>
           <a:stretch>
             <a:fillRect/>
           </a:stretch>
         </p:blipFill>
         <p:spPr>
           <a:xfrm>
-            <a:off x="5267908" y="1976773"/>
-            <a:ext cx="5352752" cy="3828620"/>
+            <a:off x="3947012" y="1481444"/>
+            <a:ext cx="8236800" cy="5359593"/>
           </a:xfrm>
           <a:prstGeom prst="rect">
             <a:avLst/>
           </a:prstGeom>
         </p:spPr>
       </p:pic>
+      <p:sp>
+        <p:nvSpPr>
+          <p:cNvPr id="3" name="TextBox 2">
+            <a:extLst>
+              <a:ext uri="{FF2B5EF4-FFF2-40B4-BE49-F238E27FC236}">
+                <a16:creationId xmlns:a16="http://schemas.microsoft.com/office/drawing/2014/main" id="{2E94D10E-BCF5-16A4-40FB-49CA94739C88}"/>
+              </a:ext>
+            </a:extLst>
+          </p:cNvPr>
+          <p:cNvSpPr txBox="1"/>
+          <p:nvPr/>
+        </p:nvSpPr>
+        <p:spPr>
+          <a:xfrm>
+            <a:off x="335360" y="3215596"/>
+            <a:ext cx="4068452" cy="1891287"/>
+          </a:xfrm>
+          <a:prstGeom prst="rect">
+            <a:avLst/>
+          </a:prstGeom>
+          <a:noFill/>
+        </p:spPr>
+        <p:txBody>
+          <a:bodyPr wrap="square" rtlCol="0">
+            <a:spAutoFit/>
+          </a:bodyPr>
+          <a:lstStyle/>
+          <a:p>
+            <a:pPr algn="ctr">
+              <a:lnSpc>
+                <a:spcPct val="150000"/>
+              </a:lnSpc>
+            </a:pPr>
+            <a:r>
+              <a:rPr lang="en-IT" sz="2000" dirty="0">
+                <a:latin typeface="Calibri" panose="020F0502020204030204" pitchFamily="34" charset="0"/>
+                <a:cs typeface="Calibri" panose="020F0502020204030204" pitchFamily="34" charset="0"/>
+              </a:rPr>
+              <a:t>Pianificazione nello spazio dei giunti: Moto punto-punto con legge di moto a polinomio cubico normalizzata</a:t>
+            </a:r>
+          </a:p>
+          <a:p>
+            <a:pPr algn="ctr">
+              <a:lnSpc>
+                <a:spcPct val="150000"/>
+              </a:lnSpc>
+            </a:pPr>
+            <a:r>
+              <a:rPr lang="en-IT" sz="2000" dirty="0">
+                <a:latin typeface="Calibri" panose="020F0502020204030204" pitchFamily="34" charset="0"/>
+                <a:cs typeface="Calibri" panose="020F0502020204030204" pitchFamily="34" charset="0"/>
+              </a:rPr>
+              <a:t> </a:t>
+            </a:r>
+          </a:p>
+        </p:txBody>
+      </p:sp>
+    </p:spTree>
+    <p:extLst>
+      <p:ext uri="{BB962C8B-B14F-4D97-AF65-F5344CB8AC3E}">
+        <p14:creationId xmlns:p14="http://schemas.microsoft.com/office/powerpoint/2010/main" val="3096977665"/>
+      </p:ext>
+    </p:extLst>
+  </p:cSld>
+  <p:clrMapOvr>
+    <a:masterClrMapping/>
+  </p:clrMapOvr>
+</p:sld>
+</file>
+
+<file path=ppt/slides/slide5.xml><?xml version="1.0" encoding="utf-8"?>
+<p:sld xmlns:a="http://schemas.openxmlformats.org/drawingml/2006/main" xmlns:r="http://schemas.openxmlformats.org/officeDocument/2006/relationships" xmlns:p="http://schemas.openxmlformats.org/presentationml/2006/main">
+  <p:cSld>
+    <p:spTree>
+      <p:nvGrpSpPr>
+        <p:cNvPr id="1" name=""/>
+        <p:cNvGrpSpPr/>
+        <p:nvPr/>
+      </p:nvGrpSpPr>
+      <p:grpSpPr>
+        <a:xfrm>
+          <a:off x="0" y="0"/>
+          <a:ext cx="0" cy="0"/>
+          <a:chOff x="0" y="0"/>
+          <a:chExt cx="0" cy="0"/>
+        </a:xfrm>
+      </p:grpSpPr>
+      <p:sp>
+        <p:nvSpPr>
+          <p:cNvPr id="2" name="Titolo 1">
+            <a:extLst>
+              <a:ext uri="{FF2B5EF4-FFF2-40B4-BE49-F238E27FC236}">
+                <a16:creationId xmlns:a16="http://schemas.microsoft.com/office/drawing/2014/main" id="{2B364C08-A7DB-48B3-9218-BF4810A881C5}"/>
+              </a:ext>
+            </a:extLst>
+          </p:cNvPr>
+          <p:cNvSpPr>
+            <a:spLocks noGrp="1"/>
+          </p:cNvSpPr>
+          <p:nvPr>
+            <p:ph type="title"/>
+          </p:nvPr>
+        </p:nvSpPr>
+        <p:spPr/>
+        <p:txBody>
+          <a:bodyPr/>
+          <a:lstStyle/>
+          <a:p>
+            <a:r>
+              <a:rPr lang="it-IT" sz="2800" i="1" kern="0" dirty="0"/>
+              <a:t>Pianificazione di traiettorie</a:t>
+            </a:r>
+            <a:endParaRPr lang="it-IT" dirty="0"/>
+          </a:p>
+        </p:txBody>
+      </p:sp>
+      <p:sp>
+        <p:nvSpPr>
+          <p:cNvPr id="8" name="TextBox 7">
+            <a:extLst>
+              <a:ext uri="{FF2B5EF4-FFF2-40B4-BE49-F238E27FC236}">
+                <a16:creationId xmlns:a16="http://schemas.microsoft.com/office/drawing/2014/main" id="{0C15367E-BD46-0115-82F7-DE2933AFE4E5}"/>
+              </a:ext>
+            </a:extLst>
+          </p:cNvPr>
+          <p:cNvSpPr txBox="1"/>
+          <p:nvPr/>
+        </p:nvSpPr>
+        <p:spPr>
+          <a:xfrm>
+            <a:off x="6103310" y="1086431"/>
+            <a:ext cx="3946545" cy="400110"/>
+          </a:xfrm>
+          <a:prstGeom prst="rect">
+            <a:avLst/>
+          </a:prstGeom>
+          <a:noFill/>
+        </p:spPr>
+        <p:txBody>
+          <a:bodyPr wrap="square" rtlCol="0">
+            <a:spAutoFit/>
+          </a:bodyPr>
+          <a:lstStyle/>
+          <a:p>
+            <a:r>
+              <a:rPr lang="en-IT" sz="2000" b="1" dirty="0">
+                <a:latin typeface="Calibri" panose="020F0502020204030204" pitchFamily="34" charset="0"/>
+                <a:cs typeface="Calibri" panose="020F0502020204030204" pitchFamily="34" charset="0"/>
+              </a:rPr>
+              <a:t>Legge di moto dei giunti da 5 a 8</a:t>
+            </a:r>
+          </a:p>
+        </p:txBody>
+      </p:sp>
+      <p:pic>
+        <p:nvPicPr>
+          <p:cNvPr id="6" name="Picture 5" descr="A graph of a graph&#10;&#10;Description automatically generated with medium confidence">
+            <a:extLst>
+              <a:ext uri="{FF2B5EF4-FFF2-40B4-BE49-F238E27FC236}">
+                <a16:creationId xmlns:a16="http://schemas.microsoft.com/office/drawing/2014/main" id="{F3C76796-5E66-95DA-7EE7-FF62CC68F811}"/>
+              </a:ext>
+            </a:extLst>
+          </p:cNvPr>
+          <p:cNvPicPr>
+            <a:picLocks noChangeAspect="1"/>
+          </p:cNvPicPr>
+          <p:nvPr/>
+        </p:nvPicPr>
+        <p:blipFill>
+          <a:blip r:embed="rId3">
+            <a:extLst>
+              <a:ext uri="{28A0092B-C50C-407E-A947-70E740481C1C}">
+                <a14:useLocalDpi xmlns:a14="http://schemas.microsoft.com/office/drawing/2010/main" val="0"/>
+              </a:ext>
+            </a:extLst>
+          </a:blip>
+          <a:stretch>
+            <a:fillRect/>
+          </a:stretch>
+        </p:blipFill>
+        <p:spPr>
+          <a:xfrm>
+            <a:off x="3958183" y="1486541"/>
+            <a:ext cx="8236800" cy="5393883"/>
+          </a:xfrm>
+          <a:prstGeom prst="rect">
+            <a:avLst/>
+          </a:prstGeom>
+        </p:spPr>
+      </p:pic>
+      <p:sp>
+        <p:nvSpPr>
+          <p:cNvPr id="3" name="TextBox 2">
+            <a:extLst>
+              <a:ext uri="{FF2B5EF4-FFF2-40B4-BE49-F238E27FC236}">
+                <a16:creationId xmlns:a16="http://schemas.microsoft.com/office/drawing/2014/main" id="{2E94D10E-BCF5-16A4-40FB-49CA94739C88}"/>
+              </a:ext>
+            </a:extLst>
+          </p:cNvPr>
+          <p:cNvSpPr txBox="1"/>
+          <p:nvPr/>
+        </p:nvSpPr>
+        <p:spPr>
+          <a:xfrm>
+            <a:off x="407368" y="2776173"/>
+            <a:ext cx="3744416" cy="2814617"/>
+          </a:xfrm>
+          <a:prstGeom prst="rect">
+            <a:avLst/>
+          </a:prstGeom>
+          <a:noFill/>
+        </p:spPr>
+        <p:txBody>
+          <a:bodyPr wrap="square" rtlCol="0">
+            <a:spAutoFit/>
+          </a:bodyPr>
+          <a:lstStyle/>
+          <a:p>
+            <a:pPr algn="ctr">
+              <a:lnSpc>
+                <a:spcPct val="150000"/>
+              </a:lnSpc>
+            </a:pPr>
+            <a:r>
+              <a:rPr lang="en-IT" sz="2000" dirty="0">
+                <a:latin typeface="Calibri" panose="020F0502020204030204" pitchFamily="34" charset="0"/>
+                <a:cs typeface="Calibri" panose="020F0502020204030204" pitchFamily="34" charset="0"/>
+              </a:rPr>
+              <a:t>Il grafico dei movimenti dai giunti 5 a 8 evidenzia che, sebbene questi giunti si muovano, </a:t>
+            </a:r>
+            <a:r>
+              <a:rPr lang="en-GB" sz="2000" dirty="0">
+                <a:latin typeface="Calibri" panose="020F0502020204030204" pitchFamily="34" charset="0"/>
+                <a:cs typeface="Calibri" panose="020F0502020204030204" pitchFamily="34" charset="0"/>
+              </a:rPr>
+              <a:t>i</a:t>
+            </a:r>
+            <a:r>
+              <a:rPr lang="en-IT" sz="2000" dirty="0">
+                <a:latin typeface="Calibri" panose="020F0502020204030204" pitchFamily="34" charset="0"/>
+                <a:cs typeface="Calibri" panose="020F0502020204030204" pitchFamily="34" charset="0"/>
+              </a:rPr>
+              <a:t> loro spostamenti sono minori rispetto al movimento del giunto 9.</a:t>
+            </a:r>
+          </a:p>
+          <a:p>
+            <a:pPr>
+              <a:lnSpc>
+                <a:spcPct val="150000"/>
+              </a:lnSpc>
+            </a:pPr>
+            <a:endParaRPr lang="en-IT" sz="2000" dirty="0">
+              <a:latin typeface="Calibri" panose="020F0502020204030204" pitchFamily="34" charset="0"/>
+              <a:cs typeface="Calibri" panose="020F0502020204030204" pitchFamily="34" charset="0"/>
+            </a:endParaRPr>
+          </a:p>
+        </p:txBody>
+      </p:sp>
     </p:spTree>
     <p:extLst>
       <p:ext uri="{BB962C8B-B14F-4D97-AF65-F5344CB8AC3E}">
@@ -2838,6 +3367,276 @@
   <p:clrMapOvr>
     <a:masterClrMapping/>
   </p:clrMapOvr>
+</p:sld>
+</file>
+
+<file path=ppt/slides/slide6.xml><?xml version="1.0" encoding="utf-8"?>
+<p:sld xmlns:a="http://schemas.openxmlformats.org/drawingml/2006/main" xmlns:r="http://schemas.openxmlformats.org/officeDocument/2006/relationships" xmlns:p="http://schemas.openxmlformats.org/presentationml/2006/main">
+  <p:cSld>
+    <p:spTree>
+      <p:nvGrpSpPr>
+        <p:cNvPr id="1" name=""/>
+        <p:cNvGrpSpPr/>
+        <p:nvPr/>
+      </p:nvGrpSpPr>
+      <p:grpSpPr>
+        <a:xfrm>
+          <a:off x="0" y="0"/>
+          <a:ext cx="0" cy="0"/>
+          <a:chOff x="0" y="0"/>
+          <a:chExt cx="0" cy="0"/>
+        </a:xfrm>
+      </p:grpSpPr>
+      <p:sp>
+        <p:nvSpPr>
+          <p:cNvPr id="2" name="Titolo 1">
+            <a:extLst>
+              <a:ext uri="{FF2B5EF4-FFF2-40B4-BE49-F238E27FC236}">
+                <a16:creationId xmlns:a16="http://schemas.microsoft.com/office/drawing/2014/main" id="{2B364C08-A7DB-48B3-9218-BF4810A881C5}"/>
+              </a:ext>
+            </a:extLst>
+          </p:cNvPr>
+          <p:cNvSpPr>
+            <a:spLocks noGrp="1"/>
+          </p:cNvSpPr>
+          <p:nvPr>
+            <p:ph type="title"/>
+          </p:nvPr>
+        </p:nvSpPr>
+        <p:spPr/>
+        <p:txBody>
+          <a:bodyPr/>
+          <a:lstStyle/>
+          <a:p>
+            <a:r>
+              <a:rPr lang="it-IT" sz="2800" i="1" kern="0" dirty="0"/>
+              <a:t>Video movimento</a:t>
+            </a:r>
+            <a:endParaRPr lang="it-IT" dirty="0"/>
+          </a:p>
+        </p:txBody>
+      </p:sp>
+      <p:pic>
+        <p:nvPicPr>
+          <p:cNvPr id="3" name="video DaVinci">
+            <a:extLst>
+              <a:ext uri="{FF2B5EF4-FFF2-40B4-BE49-F238E27FC236}">
+                <a16:creationId xmlns:a16="http://schemas.microsoft.com/office/drawing/2014/main" id="{277BC58D-3FFF-B357-42DD-144AFF762078}"/>
+              </a:ext>
+            </a:extLst>
+          </p:cNvPr>
+          <p:cNvPicPr>
+            <a:picLocks noChangeAspect="1"/>
+          </p:cNvPicPr>
+          <p:nvPr>
+            <a:videoFile r:link="rId2"/>
+            <p:extLst>
+              <p:ext uri="{DAA4B4D4-6D71-4841-9C94-3DE7FCFB9230}">
+                <p14:media xmlns:p14="http://schemas.microsoft.com/office/powerpoint/2010/main" r:embed="rId1"/>
+              </p:ext>
+            </p:extLst>
+          </p:nvPr>
+        </p:nvPicPr>
+        <p:blipFill>
+          <a:blip r:embed="rId5"/>
+          <a:stretch>
+            <a:fillRect/>
+          </a:stretch>
+        </p:blipFill>
+        <p:spPr>
+          <a:xfrm>
+            <a:off x="643214" y="878225"/>
+            <a:ext cx="10905572" cy="5985284"/>
+          </a:xfrm>
+          <a:prstGeom prst="rect">
+            <a:avLst/>
+          </a:prstGeom>
+        </p:spPr>
+      </p:pic>
+      <p:sp>
+        <p:nvSpPr>
+          <p:cNvPr id="4" name="TextBox 3">
+            <a:extLst>
+              <a:ext uri="{FF2B5EF4-FFF2-40B4-BE49-F238E27FC236}">
+                <a16:creationId xmlns:a16="http://schemas.microsoft.com/office/drawing/2014/main" id="{7A910374-5946-2F0A-AAA7-3AB88035864C}"/>
+              </a:ext>
+            </a:extLst>
+          </p:cNvPr>
+          <p:cNvSpPr txBox="1"/>
+          <p:nvPr/>
+        </p:nvSpPr>
+        <p:spPr>
+          <a:xfrm>
+            <a:off x="479376" y="3132203"/>
+            <a:ext cx="1709280" cy="1477328"/>
+          </a:xfrm>
+          <a:prstGeom prst="rect">
+            <a:avLst/>
+          </a:prstGeom>
+          <a:noFill/>
+        </p:spPr>
+        <p:txBody>
+          <a:bodyPr wrap="square" rtlCol="0">
+            <a:spAutoFit/>
+          </a:bodyPr>
+          <a:lstStyle/>
+          <a:p>
+            <a:pPr algn="ctr"/>
+            <a:r>
+              <a:rPr lang="en-IT" sz="1500" dirty="0">
+                <a:latin typeface="Calibri" panose="020F0502020204030204" pitchFamily="34" charset="0"/>
+                <a:cs typeface="Calibri" panose="020F0502020204030204" pitchFamily="34" charset="0"/>
+              </a:rPr>
+              <a:t>Per avere una visuale migliore abbiamo aggiunto 90° a q5 nella funzione invkinDaVinci</a:t>
+            </a:r>
+          </a:p>
+        </p:txBody>
+      </p:sp>
+    </p:spTree>
+    <p:extLst>
+      <p:ext uri="{BB962C8B-B14F-4D97-AF65-F5344CB8AC3E}">
+        <p14:creationId xmlns:p14="http://schemas.microsoft.com/office/powerpoint/2010/main" val="1125168133"/>
+      </p:ext>
+    </p:extLst>
+  </p:cSld>
+  <p:clrMapOvr>
+    <a:masterClrMapping/>
+  </p:clrMapOvr>
+  <p:timing>
+    <p:tnLst>
+      <p:par>
+        <p:cTn id="1" dur="indefinite" restart="never" nodeType="tmRoot">
+          <p:childTnLst>
+            <p:seq concurrent="1" nextAc="seek">
+              <p:cTn id="2" dur="indefinite" nodeType="mainSeq">
+                <p:childTnLst>
+                  <p:par>
+                    <p:cTn id="3" fill="hold">
+                      <p:stCondLst>
+                        <p:cond delay="indefinite"/>
+                      </p:stCondLst>
+                      <p:childTnLst>
+                        <p:par>
+                          <p:cTn id="4" fill="hold">
+                            <p:stCondLst>
+                              <p:cond delay="0"/>
+                            </p:stCondLst>
+                            <p:childTnLst>
+                              <p:par>
+                                <p:cTn id="5" presetID="1" presetClass="mediacall" presetSubtype="0" fill="hold" nodeType="clickEffect">
+                                  <p:stCondLst>
+                                    <p:cond delay="0"/>
+                                  </p:stCondLst>
+                                  <p:childTnLst>
+                                    <p:cmd type="call" cmd="playFrom(0.0)">
+                                      <p:cBhvr>
+                                        <p:cTn id="6" dur="5100" fill="hold"/>
+                                        <p:tgtEl>
+                                          <p:spTgt spid="3"/>
+                                        </p:tgtEl>
+                                      </p:cBhvr>
+                                    </p:cmd>
+                                  </p:childTnLst>
+                                </p:cTn>
+                              </p:par>
+                            </p:childTnLst>
+                          </p:cTn>
+                        </p:par>
+                      </p:childTnLst>
+                    </p:cTn>
+                  </p:par>
+                </p:childTnLst>
+              </p:cTn>
+              <p:prevCondLst>
+                <p:cond evt="onPrev" delay="0">
+                  <p:tgtEl>
+                    <p:sldTgt/>
+                  </p:tgtEl>
+                </p:cond>
+              </p:prevCondLst>
+              <p:nextCondLst>
+                <p:cond evt="onNext" delay="0">
+                  <p:tgtEl>
+                    <p:sldTgt/>
+                  </p:tgtEl>
+                </p:cond>
+              </p:nextCondLst>
+            </p:seq>
+            <p:video>
+              <p:cMediaNode vol="80000">
+                <p:cTn id="7" fill="hold" display="0">
+                  <p:stCondLst>
+                    <p:cond delay="indefinite"/>
+                  </p:stCondLst>
+                </p:cTn>
+                <p:tgtEl>
+                  <p:spTgt spid="3"/>
+                </p:tgtEl>
+              </p:cMediaNode>
+            </p:video>
+            <p:seq concurrent="1" nextAc="seek">
+              <p:cTn id="8" restart="whenNotActive" fill="hold" evtFilter="cancelBubble" nodeType="interactiveSeq">
+                <p:stCondLst>
+                  <p:cond evt="onClick" delay="0">
+                    <p:tgtEl>
+                      <p:spTgt spid="3"/>
+                    </p:tgtEl>
+                  </p:cond>
+                </p:stCondLst>
+                <p:endSync evt="end" delay="0">
+                  <p:rtn val="all"/>
+                </p:endSync>
+                <p:childTnLst>
+                  <p:par>
+                    <p:cTn id="9" fill="hold">
+                      <p:stCondLst>
+                        <p:cond delay="0"/>
+                      </p:stCondLst>
+                      <p:childTnLst>
+                        <p:par>
+                          <p:cTn id="10" fill="hold">
+                            <p:stCondLst>
+                              <p:cond delay="0"/>
+                            </p:stCondLst>
+                            <p:childTnLst>
+                              <p:par>
+                                <p:cTn id="11" presetID="2" presetClass="mediacall" presetSubtype="0" fill="hold" nodeType="clickEffect">
+                                  <p:stCondLst>
+                                    <p:cond delay="0"/>
+                                  </p:stCondLst>
+                                  <p:childTnLst>
+                                    <p:cmd type="call" cmd="togglePause">
+                                      <p:cBhvr>
+                                        <p:cTn id="12" dur="1" fill="hold"/>
+                                        <p:tgtEl>
+                                          <p:spTgt spid="3"/>
+                                        </p:tgtEl>
+                                      </p:cBhvr>
+                                    </p:cmd>
+                                  </p:childTnLst>
+                                </p:cTn>
+                              </p:par>
+                            </p:childTnLst>
+                          </p:cTn>
+                        </p:par>
+                      </p:childTnLst>
+                    </p:cTn>
+                  </p:par>
+                </p:childTnLst>
+              </p:cTn>
+              <p:nextCondLst>
+                <p:cond evt="onClick" delay="0">
+                  <p:tgtEl>
+                    <p:spTgt spid="3"/>
+                  </p:tgtEl>
+                </p:cond>
+              </p:nextCondLst>
+            </p:seq>
+          </p:childTnLst>
+        </p:cTn>
+      </p:par>
+    </p:tnLst>
+  </p:timing>
 </p:sld>
 </file>
 
